--- a/LectureSlides/2223GenderDisability.pptx
+++ b/LectureSlides/2223GenderDisability.pptx
@@ -248,7 +248,7 @@
           <a:p>
             <a:fld id="{3180BFB6-875F-456C-A6EC-ADA6444E0B18}" type="datetimeFigureOut">
               <a:rPr lang="en-US" smtClean="0"/>
-              <a:t>10/14/2024</a:t>
+              <a:t>12/20/2024</a:t>
             </a:fld>
             <a:endParaRPr lang="en-US"/>
           </a:p>
@@ -826,7 +826,7 @@
           <a:p>
             <a:fld id="{EF9B75CE-72AB-46DC-9B0E-DD97ED8E8C59}" type="datetime1">
               <a:rPr lang="en-US" smtClean="0"/>
-              <a:t>10/14/2024</a:t>
+              <a:t>12/20/2024</a:t>
             </a:fld>
             <a:endParaRPr lang="en-US"/>
           </a:p>
@@ -1034,7 +1034,7 @@
           <a:p>
             <a:fld id="{48F8F40F-4EA5-4C40-AFC2-BF053C133E0E}" type="datetime1">
               <a:rPr lang="en-US" smtClean="0"/>
-              <a:t>10/14/2024</a:t>
+              <a:t>12/20/2024</a:t>
             </a:fld>
             <a:endParaRPr lang="en-US"/>
           </a:p>
@@ -1290,7 +1290,7 @@
           <a:p>
             <a:fld id="{D84484AF-8FDF-4B0E-9B02-D79053FCFD89}" type="datetime1">
               <a:rPr lang="en-US" smtClean="0"/>
-              <a:t>10/14/2024</a:t>
+              <a:t>12/20/2024</a:t>
             </a:fld>
             <a:endParaRPr lang="en-US"/>
           </a:p>
@@ -1475,7 +1475,7 @@
           <a:p>
             <a:fld id="{17AFAB0B-FA82-442B-B56E-728640028D77}" type="datetime1">
               <a:rPr lang="en-US" smtClean="0"/>
-              <a:t>10/14/2024</a:t>
+              <a:t>12/20/2024</a:t>
             </a:fld>
             <a:endParaRPr lang="en-US"/>
           </a:p>
@@ -1818,7 +1818,7 @@
           <a:p>
             <a:fld id="{D5090C36-1C92-47F3-BD6C-87C1861AF396}" type="datetime1">
               <a:rPr lang="en-US" smtClean="0"/>
-              <a:t>10/14/2024</a:t>
+              <a:t>12/20/2024</a:t>
             </a:fld>
             <a:endParaRPr lang="en-US"/>
           </a:p>
@@ -2123,7 +2123,7 @@
           <a:p>
             <a:fld id="{1881C2AF-AB90-4194-91C1-DB2442FF4B10}" type="datetime1">
               <a:rPr lang="en-US" smtClean="0"/>
-              <a:t>10/14/2024</a:t>
+              <a:t>12/20/2024</a:t>
             </a:fld>
             <a:endParaRPr lang="en-US"/>
           </a:p>
@@ -2532,7 +2532,7 @@
           <a:p>
             <a:fld id="{973E5D4E-2282-4033-9F79-80EEAEB613EB}" type="datetime1">
               <a:rPr lang="en-US" smtClean="0"/>
-              <a:t>10/14/2024</a:t>
+              <a:t>12/20/2024</a:t>
             </a:fld>
             <a:endParaRPr lang="en-US"/>
           </a:p>
@@ -2650,7 +2650,7 @@
           <a:p>
             <a:fld id="{4A01C690-49CF-4D58-A23F-A92830956849}" type="datetime1">
               <a:rPr lang="en-US" smtClean="0"/>
-              <a:t>10/14/2024</a:t>
+              <a:t>12/20/2024</a:t>
             </a:fld>
             <a:endParaRPr lang="en-US"/>
           </a:p>
@@ -2821,7 +2821,7 @@
           <a:p>
             <a:fld id="{734C0896-2FCB-4584-9004-4ECCB77C3DE2}" type="datetime1">
               <a:rPr lang="en-US" smtClean="0"/>
-              <a:t>10/14/2024</a:t>
+              <a:t>12/20/2024</a:t>
             </a:fld>
             <a:endParaRPr lang="en-US"/>
           </a:p>
@@ -3190,7 +3190,7 @@
           <a:p>
             <a:fld id="{DE617866-639D-46D1-832A-FEB82C2A0367}" type="datetime1">
               <a:rPr lang="en-US" smtClean="0"/>
-              <a:t>10/14/2024</a:t>
+              <a:t>12/20/2024</a:t>
             </a:fld>
             <a:endParaRPr lang="en-US"/>
           </a:p>
@@ -3567,7 +3567,7 @@
           <a:p>
             <a:fld id="{1036E41D-0353-4F8D-96CB-DCD8B8FFECCF}" type="datetime1">
               <a:rPr lang="en-US" smtClean="0"/>
-              <a:t>10/14/2024</a:t>
+              <a:t>12/20/2024</a:t>
             </a:fld>
             <a:endParaRPr lang="en-US"/>
           </a:p>
@@ -3854,7 +3854,7 @@
           <a:p>
             <a:fld id="{7976DB62-9C58-4090-B23C-408806B2984C}" type="datetime1">
               <a:rPr lang="en-US" smtClean="0"/>
-              <a:t>10/14/2024</a:t>
+              <a:t>12/20/2024</a:t>
             </a:fld>
             <a:endParaRPr lang="en-US"/>
           </a:p>
@@ -4402,7 +4402,7 @@
           <a:p>
             <a:r>
               <a:rPr lang="en-US" dirty="0"/>
-              <a:t>10 – Gender + Disability</a:t>
+              <a:t>22,23 – Gender + Disability</a:t>
             </a:r>
           </a:p>
         </p:txBody>
